--- a/documentation/Presentation.pptx
+++ b/documentation/Presentation.pptx
@@ -220,7 +220,7 @@
           <a:p>
             <a:fld id="{59041DB8-B66F-4DC8-A96E-33677E0F90FF}" type="datetimeFigureOut">
               <a:rPr lang="en-US" smtClean="0"/>
-              <a:t>4/8/2017</a:t>
+              <a:t>4/9/2017</a:t>
             </a:fld>
             <a:endParaRPr lang="en-US"/>
           </a:p>
@@ -385,7 +385,7 @@
           <a:p>
             <a:fld id="{DEB49C4A-65AC-492D-9701-81B46C3AD0E4}" type="datetimeFigureOut">
               <a:rPr lang="en-US" smtClean="0"/>
-              <a:t>4/8/2017</a:t>
+              <a:t>4/9/2017</a:t>
             </a:fld>
             <a:endParaRPr lang="en-US"/>
           </a:p>
@@ -2853,7 +2853,7 @@
           <a:p>
             <a:fld id="{384A29A4-78C8-47AB-BA06-22CB45938951}" type="datetime1">
               <a:rPr lang="en-US" smtClean="0"/>
-              <a:t>4/8/2017</a:t>
+              <a:t>4/9/2017</a:t>
             </a:fld>
             <a:endParaRPr lang="en-US"/>
           </a:p>
@@ -3045,7 +3045,7 @@
           <a:p>
             <a:fld id="{E1ED4ACF-2D82-46F2-A8E9-23963AA34E86}" type="datetime1">
               <a:rPr lang="en-US" smtClean="0"/>
-              <a:t>4/8/2017</a:t>
+              <a:t>4/9/2017</a:t>
             </a:fld>
             <a:endParaRPr lang="en-US"/>
           </a:p>
@@ -3225,7 +3225,7 @@
           <a:p>
             <a:fld id="{AE374B5B-21A0-4192-BF4C-38187F1A68D8}" type="datetime1">
               <a:rPr lang="en-US" smtClean="0"/>
-              <a:t>4/8/2017</a:t>
+              <a:t>4/9/2017</a:t>
             </a:fld>
             <a:endParaRPr lang="en-US"/>
           </a:p>
@@ -5563,7 +5563,7 @@
           <a:p>
             <a:fld id="{33B5CF7C-B333-48E1-A4A6-83A3C8B73AC0}" type="datetime1">
               <a:rPr lang="en-US" smtClean="0"/>
-              <a:t>4/8/2017</a:t>
+              <a:t>4/9/2017</a:t>
             </a:fld>
             <a:endParaRPr lang="en-US"/>
           </a:p>
@@ -6013,7 +6013,7 @@
           <a:p>
             <a:fld id="{AE320762-5CBF-4210-AB54-376B091119F8}" type="datetime1">
               <a:rPr lang="en-US" smtClean="0"/>
-              <a:t>4/8/2017</a:t>
+              <a:t>4/9/2017</a:t>
             </a:fld>
             <a:endParaRPr lang="en-US"/>
           </a:p>
@@ -6142,7 +6142,7 @@
           <a:p>
             <a:fld id="{7F0DB371-BF5F-4058-A212-1A908E4D2674}" type="datetime1">
               <a:rPr lang="en-US" smtClean="0"/>
-              <a:t>4/8/2017</a:t>
+              <a:t>4/9/2017</a:t>
             </a:fld>
             <a:endParaRPr lang="en-US"/>
           </a:p>
@@ -8072,7 +8072,7 @@
           <a:p>
             <a:fld id="{60A4083B-90AA-48CF-BAD5-00AA24D7F288}" type="datetime1">
               <a:rPr lang="en-US" smtClean="0"/>
-              <a:t>4/8/2017</a:t>
+              <a:t>4/9/2017</a:t>
             </a:fld>
             <a:endParaRPr lang="en-US"/>
           </a:p>
@@ -10319,7 +10319,7 @@
           <a:p>
             <a:fld id="{F5BAF629-ECA2-4CF3-B790-9D9BDED98269}" type="datetime1">
               <a:rPr lang="en-US" smtClean="0"/>
-              <a:t>4/8/2017</a:t>
+              <a:t>4/9/2017</a:t>
             </a:fld>
             <a:endParaRPr lang="en-US"/>
           </a:p>
@@ -14546,7 +14546,7 @@
           <a:p>
             <a:fld id="{B51B2453-8663-4C69-AF73-9FD7B1DEC5D0}" type="datetime1">
               <a:rPr lang="en-US" smtClean="0"/>
-              <a:t>4/8/2017</a:t>
+              <a:t>4/9/2017</a:t>
             </a:fld>
             <a:endParaRPr lang="en-US"/>
           </a:p>
@@ -15069,7 +15069,7 @@
           <a:p>
             <a:r>
               <a:rPr lang="en-US" dirty="0"/>
-              <a:t>Senior Project – Robot Operating System (ROS) Robot</a:t>
+              <a:t>Robot Operating System (ROS) Based Reconfigurable Robot Sensing Platform</a:t>
             </a:r>
           </a:p>
         </p:txBody>
@@ -15520,7 +15520,7 @@
           <a:graphicData uri="http://schemas.openxmlformats.org/presentationml/2006/ole">
             <mc:AlternateContent xmlns:mc="http://schemas.openxmlformats.org/markup-compatibility/2006">
               <mc:Choice xmlns:v="urn:schemas-microsoft-com:vml" Requires="v">
-                <p:oleObj spid="_x0000_s2050" name="Visio" r:id="rId3" imgW="11346534" imgH="8643731" progId="Visio.Drawing.15">
+                <p:oleObj spid="_x0000_s2052" name="Visio" r:id="rId3" imgW="11346534" imgH="8643731" progId="Visio.Drawing.15">
                   <p:embed/>
                 </p:oleObj>
               </mc:Choice>
@@ -15641,7 +15641,7 @@
           <a:graphicData uri="http://schemas.openxmlformats.org/presentationml/2006/ole">
             <mc:AlternateContent xmlns:mc="http://schemas.openxmlformats.org/markup-compatibility/2006">
               <mc:Choice xmlns:v="urn:schemas-microsoft-com:vml" Requires="v">
-                <p:oleObj spid="_x0000_s1026" name="Visio" r:id="rId3" imgW="11286992" imgH="7929474" progId="Visio.Drawing.15">
+                <p:oleObj spid="_x0000_s1028" name="Visio" r:id="rId3" imgW="11286992" imgH="7929474" progId="Visio.Drawing.15">
                   <p:embed/>
                 </p:oleObj>
               </mc:Choice>
@@ -15735,7 +15735,15 @@
           <a:p>
             <a:r>
               <a:rPr lang="en-US" dirty="0"/>
-              <a:t>Node Diagram Example</a:t>
+              <a:t>Node Diagram Example (Generated Using </a:t>
+            </a:r>
+            <a:r>
+              <a:rPr lang="en-US" dirty="0" err="1"/>
+              <a:t>rqt_graph</a:t>
+            </a:r>
+            <a:r>
+              <a:rPr lang="en-US" dirty="0"/>
+              <a:t>)</a:t>
             </a:r>
           </a:p>
         </p:txBody>
